--- a/Telecom Churn Analysis-Anand Version.pptx
+++ b/Telecom Churn Analysis-Anand Version.pptx
@@ -6553,7 +6553,7 @@
                 <a16:creationId xmlns:a16="http://schemas.microsoft.com/office/drawing/2014/main" id="{AD0034B7-EAC9-429D-9600-C58561D805DA}"/>
               </a:ext>
               <a:ext uri="{C183D7F6-B498-43B3-948B-1728B52AA6E4}">
-                <adec:decorative xmlns="" xmlns:adec="http://schemas.microsoft.com/office/drawing/2017/decorative" val="1"/>
+                <adec:decorative xmlns:adec="http://schemas.microsoft.com/office/drawing/2017/decorative" xmlns="" val="1"/>
               </a:ext>
             </a:extLst>
           </p:cNvPr>
@@ -6619,7 +6619,7 @@
                 <a16:creationId xmlns:a16="http://schemas.microsoft.com/office/drawing/2014/main" id="{D7F6F6C7-60D9-41AC-8781-68FDD4F3299E}"/>
               </a:ext>
               <a:ext uri="{C183D7F6-B498-43B3-948B-1728B52AA6E4}">
-                <adec:decorative xmlns="" xmlns:adec="http://schemas.microsoft.com/office/drawing/2017/decorative" val="1"/>
+                <adec:decorative xmlns:adec="http://schemas.microsoft.com/office/drawing/2017/decorative" xmlns="" val="1"/>
               </a:ext>
             </a:extLst>
           </p:cNvPr>
@@ -6710,10 +6710,9 @@
               <a:buAutoNum type="arabicPeriod"/>
             </a:pPr>
             <a:r>
-              <a:rPr lang="en-US" dirty="0" err="1" smtClean="0"/>
+              <a:rPr lang="en-US" dirty="0" smtClean="0"/>
               <a:t>ethnic_O</a:t>
             </a:r>
-            <a:endParaRPr lang="en-US" dirty="0" smtClean="0"/>
           </a:p>
           <a:p>
             <a:pPr marL="800100" lvl="1" indent="-342900">
@@ -6721,10 +6720,9 @@
               <a:buAutoNum type="arabicPeriod"/>
             </a:pPr>
             <a:r>
-              <a:rPr lang="en-US" dirty="0" err="1" smtClean="0"/>
+              <a:rPr lang="en-US" dirty="0" smtClean="0"/>
               <a:t>area_nrthwst</a:t>
             </a:r>
-            <a:endParaRPr lang="en-US" dirty="0" smtClean="0"/>
           </a:p>
           <a:p>
             <a:pPr marL="800100" lvl="1" indent="-342900">
@@ -6732,10 +6730,9 @@
               <a:buAutoNum type="arabicPeriod"/>
             </a:pPr>
             <a:r>
-              <a:rPr lang="en-US" dirty="0" err="1"/>
+              <a:rPr lang="en-US" dirty="0"/>
               <a:t>area_southflrda</a:t>
             </a:r>
-            <a:endParaRPr lang="en-US" dirty="0"/>
           </a:p>
           <a:p>
             <a:endParaRPr lang="en-US" dirty="0" smtClean="0"/>
@@ -6751,15 +6748,7 @@
             </a:r>
             <a:r>
               <a:rPr lang="en-US" dirty="0"/>
-              <a:t>1st factor explains, with a unit increase in level 7 of variable </a:t>
-            </a:r>
-            <a:r>
-              <a:rPr lang="en-US" dirty="0" err="1"/>
-              <a:t>uniqsubs</a:t>
-            </a:r>
-            <a:r>
-              <a:rPr lang="en-US" dirty="0"/>
-              <a:t> , there is corresponding beta coefficient unit increase in churn</a:t>
+              <a:t>1st factor explains, with a unit increase in level 7 of variable uniqsubs , there is corresponding beta coefficient unit increase in churn</a:t>
             </a:r>
           </a:p>
           <a:p>
@@ -6773,15 +6762,11 @@
             </a:r>
             <a:r>
               <a:rPr lang="en-US" dirty="0"/>
-              <a:t>2nd Factor explains, with a unit increase in variable </a:t>
-            </a:r>
-            <a:r>
-              <a:rPr lang="en-US" dirty="0" err="1"/>
-              <a:t>retdays</a:t>
-            </a:r>
-            <a:r>
-              <a:rPr lang="en-US" dirty="0"/>
-              <a:t>, there is corresponding beta coefficient unit increase in churn</a:t>
+              <a:t>2nd Factor explains, with a unit increase in variable retdays, there is corresponding beta coefficient unit increase in </a:t>
+            </a:r>
+            <a:r>
+              <a:rPr lang="en-US" dirty="0" smtClean="0"/>
+              <a:t>churn</a:t>
             </a:r>
           </a:p>
           <a:p>
@@ -6790,90 +6775,72 @@
               <a:buChar char="ü"/>
             </a:pPr>
             <a:r>
-              <a:rPr lang="en-US" dirty="0" err="1" smtClean="0"/>
-              <a:t>var</a:t>
+              <a:rPr lang="en-US" dirty="0" smtClean="0"/>
+              <a:t>Same explanation applies to next three variables</a:t>
+            </a:r>
+            <a:endParaRPr lang="en-US" dirty="0"/>
+          </a:p>
+          <a:p>
+            <a:pPr marL="285750" indent="-285750">
+              <a:buFont typeface="Wingdings" panose="05000000000000000000" pitchFamily="2" charset="2"/>
+              <a:buChar char="ü"/>
+            </a:pPr>
+            <a:r>
+              <a:rPr lang="en-US" dirty="0" smtClean="0"/>
+              <a:t>ethnic_O </a:t>
+            </a:r>
+            <a:r>
+              <a:rPr lang="en-US" dirty="0"/>
+              <a:t>represents </a:t>
+            </a:r>
+            <a:r>
+              <a:rPr lang="en-US" dirty="0" smtClean="0"/>
+              <a:t>ethnic </a:t>
+            </a:r>
+            <a:r>
+              <a:rPr lang="en-US" dirty="0"/>
+              <a:t>with level o, </a:t>
+            </a:r>
+            <a:r>
+              <a:rPr lang="en-US" dirty="0" smtClean="0"/>
+              <a:t>area_nrthwst </a:t>
+            </a:r>
+            <a:r>
+              <a:rPr lang="en-US" dirty="0"/>
+              <a:t>is NORTHWEST/ROCKY MOUNTAIN AREA, and </a:t>
+            </a:r>
+            <a:r>
+              <a:rPr lang="en-US" dirty="0" smtClean="0"/>
+              <a:t>area_southflrda </a:t>
+            </a:r>
+            <a:r>
+              <a:rPr lang="en-US" dirty="0"/>
+              <a:t>represents </a:t>
             </a:r>
             <a:r>
               <a:rPr lang="en-US" dirty="0" smtClean="0"/>
               <a:t> </a:t>
             </a:r>
             <a:r>
-              <a:rPr lang="en-US" dirty="0" err="1"/>
-              <a:t>ethnic_O</a:t>
-            </a:r>
-            <a:r>
               <a:rPr lang="en-US" dirty="0"/>
-              <a:t> represents </a:t>
-            </a:r>
-            <a:r>
-              <a:rPr lang="en-US" dirty="0" err="1"/>
-              <a:t>var</a:t>
+              <a:t>SOUTH FLORIDA AREA, </a:t>
+            </a:r>
+            <a:r>
+              <a:rPr lang="en-US" dirty="0" smtClean="0"/>
+              <a:t>retdays_1 </a:t>
             </a:r>
             <a:r>
               <a:rPr lang="en-US" dirty="0"/>
-              <a:t> ethnic with level o, </a:t>
-            </a:r>
-            <a:r>
-              <a:rPr lang="en-US" dirty="0" err="1" smtClean="0"/>
-              <a:t>var</a:t>
+              <a:t>represents valid values </a:t>
             </a:r>
             <a:r>
               <a:rPr lang="en-US" dirty="0" smtClean="0"/>
-              <a:t> </a:t>
-            </a:r>
-            <a:r>
-              <a:rPr lang="en-US" dirty="0" err="1"/>
-              <a:t>area_nrthwst</a:t>
+              <a:t>for </a:t>
             </a:r>
             <a:r>
               <a:rPr lang="en-US" dirty="0"/>
-              <a:t> is NORTHWEST/ROCKY MOUNTAIN AREA, and </a:t>
-            </a:r>
-            <a:r>
-              <a:rPr lang="en-US" dirty="0" err="1"/>
-              <a:t>var</a:t>
-            </a:r>
-            <a:r>
-              <a:rPr lang="en-US" dirty="0"/>
-              <a:t> </a:t>
-            </a:r>
-            <a:r>
-              <a:rPr lang="en-US" dirty="0" err="1"/>
-              <a:t>area_southflrda</a:t>
-            </a:r>
-            <a:r>
-              <a:rPr lang="en-US" dirty="0"/>
-              <a:t> represents </a:t>
-            </a:r>
-            <a:r>
-              <a:rPr lang="en-US" dirty="0" err="1"/>
-              <a:t>var</a:t>
-            </a:r>
-            <a:r>
-              <a:rPr lang="en-US" dirty="0"/>
-              <a:t> SOUTH FLORIDA AREA, </a:t>
-            </a:r>
-            <a:r>
-              <a:rPr lang="en-US" dirty="0" err="1"/>
-              <a:t>Var</a:t>
-            </a:r>
-            <a:r>
-              <a:rPr lang="en-US" dirty="0"/>
-              <a:t> retdays_1 represents valid values for </a:t>
-            </a:r>
-            <a:r>
-              <a:rPr lang="en-US" dirty="0" err="1"/>
-              <a:t>var</a:t>
-            </a:r>
-            <a:r>
-              <a:rPr lang="en-US" dirty="0"/>
-              <a:t> </a:t>
-            </a:r>
-            <a:r>
-              <a:rPr lang="en-US" dirty="0" err="1"/>
               <a:t>retdays</a:t>
             </a:r>
-            <a:endParaRPr lang="en-US" dirty="0"/>
           </a:p>
         </p:txBody>
       </p:sp>
@@ -6898,7 +6865,7 @@
                 <a14:useLocalDpi xmlns:a14="http://schemas.microsoft.com/office/drawing/2010/main" val="0"/>
               </a:ext>
               <a:ext uri="{96DAC541-7B7A-43D3-8B79-37D633B846F1}">
-                <asvg:svgBlip xmlns="" xmlns:asvg="http://schemas.microsoft.com/office/drawing/2016/SVG/main" r:embed="rId4"/>
+                <asvg:svgBlip xmlns:asvg="http://schemas.microsoft.com/office/drawing/2016/SVG/main" xmlns="" r:embed="rId4"/>
               </a:ext>
             </a:extLst>
           </a:blip>
@@ -6934,7 +6901,7 @@
           <a:blip r:embed="rId5">
             <a:extLst>
               <a:ext uri="{96DAC541-7B7A-43D3-8B79-37D633B846F1}">
-                <asvg:svgBlip xmlns="" xmlns:asvg="http://schemas.microsoft.com/office/drawing/2016/SVG/main" r:embed="rId6"/>
+                <asvg:svgBlip xmlns:asvg="http://schemas.microsoft.com/office/drawing/2016/SVG/main" xmlns="" r:embed="rId6"/>
               </a:ext>
             </a:extLst>
           </a:blip>
@@ -6960,7 +6927,7 @@
                 <a16:creationId xmlns:a16="http://schemas.microsoft.com/office/drawing/2014/main" id="{1C9E9A52-DC4D-4073-B101-9B4108DAAD42}"/>
               </a:ext>
               <a:ext uri="{C183D7F6-B498-43B3-948B-1728B52AA6E4}">
-                <adec:decorative xmlns="" xmlns:adec="http://schemas.microsoft.com/office/drawing/2017/decorative" val="1"/>
+                <adec:decorative xmlns:adec="http://schemas.microsoft.com/office/drawing/2017/decorative" xmlns="" val="1"/>
               </a:ext>
             </a:extLst>
           </p:cNvPr>
@@ -7115,7 +7082,7 @@
                 <a16:creationId xmlns:a16="http://schemas.microsoft.com/office/drawing/2014/main" id="{AD0034B7-EAC9-429D-9600-C58561D805DA}"/>
               </a:ext>
               <a:ext uri="{C183D7F6-B498-43B3-948B-1728B52AA6E4}">
-                <adec:decorative xmlns="" xmlns:adec="http://schemas.microsoft.com/office/drawing/2017/decorative" val="1"/>
+                <adec:decorative xmlns:adec="http://schemas.microsoft.com/office/drawing/2017/decorative" xmlns="" val="1"/>
               </a:ext>
             </a:extLst>
           </p:cNvPr>
@@ -7186,7 +7153,7 @@
                 <a16:creationId xmlns:a16="http://schemas.microsoft.com/office/drawing/2014/main" id="{D7F6F6C7-60D9-41AC-8781-68FDD4F3299E}"/>
               </a:ext>
               <a:ext uri="{C183D7F6-B498-43B3-948B-1728B52AA6E4}">
-                <adec:decorative xmlns="" xmlns:adec="http://schemas.microsoft.com/office/drawing/2017/decorative" val="1"/>
+                <adec:decorative xmlns:adec="http://schemas.microsoft.com/office/drawing/2017/decorative" xmlns="" val="1"/>
               </a:ext>
             </a:extLst>
           </p:cNvPr>
@@ -7249,12 +7216,8 @@
               <a:buChar char="ü"/>
             </a:pPr>
             <a:r>
-              <a:rPr lang="en-US" dirty="0" err="1" smtClean="0"/>
-              <a:t>totmrc_Mean</a:t>
-            </a:r>
-            <a:r>
               <a:rPr lang="en-US" dirty="0" smtClean="0"/>
-              <a:t>: </a:t>
+              <a:t>totmrc_Mean: </a:t>
             </a:r>
             <a:r>
               <a:rPr lang="en-US" dirty="0"/>
@@ -7268,12 +7231,8 @@
               <a:buChar char="ü"/>
             </a:pPr>
             <a:r>
-              <a:rPr lang="en-US" dirty="0" err="1" smtClean="0"/>
-              <a:t>rev_Range</a:t>
-            </a:r>
-            <a:r>
               <a:rPr lang="en-US" dirty="0" smtClean="0"/>
-              <a:t>: 'Range </a:t>
+              <a:t>rev_Range: 'Range </a:t>
             </a:r>
             <a:r>
               <a:rPr lang="en-US" dirty="0"/>
@@ -7290,8 +7249,28 @@
               <a:buChar char="ü"/>
             </a:pPr>
             <a:r>
+              <a:rPr lang="en-US" dirty="0" smtClean="0"/>
+              <a:t>ovrrev_Mean </a:t>
+            </a:r>
+            <a:r>
+              <a:rPr lang="en-US" dirty="0"/>
+              <a:t>= DATOVR_MEAN + VCEOVR_MEAN </a:t>
+            </a:r>
+            <a:endParaRPr lang="en-US" dirty="0" smtClean="0"/>
+          </a:p>
+          <a:p>
+            <a:pPr lvl="1"/>
+            <a:r>
+              <a:rPr lang="en-US" dirty="0" smtClean="0"/>
+              <a:t>'Mean </a:t>
+            </a:r>
+            <a:r>
+              <a:rPr lang="en-US" dirty="0"/>
+              <a:t>overage revenue' (It is the sum of data and voice, overage revenues) representing the overage revenue earned from customers after billing the same to them and </a:t>
+            </a:r>
+            <a:r>
               <a:rPr lang="en-US" dirty="0" err="1" smtClean="0"/>
-              <a:t>ovrrev_Mean</a:t>
+              <a:t>totrev</a:t>
             </a:r>
             <a:r>
               <a:rPr lang="en-US" dirty="0" smtClean="0"/>
@@ -7299,35 +7278,7 @@
             </a:r>
             <a:r>
               <a:rPr lang="en-US" dirty="0"/>
-              <a:t>= DATOVR_MEAN + VCEOVR_MEAN </a:t>
-            </a:r>
-            <a:endParaRPr lang="en-US" dirty="0" smtClean="0"/>
-          </a:p>
-          <a:p>
-            <a:pPr lvl="1"/>
-            <a:r>
-              <a:rPr lang="en-US" dirty="0" smtClean="0"/>
-              <a:t>'Mean </a:t>
-            </a:r>
-            <a:r>
-              <a:rPr lang="en-US" dirty="0"/>
-              <a:t>overage revenue' (It is the sum of data and voice, overage revenues) representing the overage revenue earned from customers after billing the same to them and </a:t>
-            </a:r>
-            <a:r>
-              <a:rPr lang="en-US" dirty="0" err="1"/>
-              <a:t>var</a:t>
-            </a:r>
-            <a:r>
-              <a:rPr lang="en-US" dirty="0"/>
-              <a:t> </a:t>
-            </a:r>
-            <a:r>
-              <a:rPr lang="en-US" dirty="0" err="1"/>
-              <a:t>totrev</a:t>
-            </a:r>
-            <a:r>
-              <a:rPr lang="en-US" dirty="0"/>
-              <a:t> i.e. 'Total revenue' representing total revenue earned from </a:t>
+              <a:t>i.e. 'Total revenue' representing total revenue earned from </a:t>
             </a:r>
             <a:r>
               <a:rPr lang="en-US" dirty="0" smtClean="0"/>
@@ -7340,16 +7291,20 @@
               <a:buChar char="ü"/>
             </a:pPr>
             <a:r>
-              <a:rPr lang="en-US" dirty="0" err="1" smtClean="0"/>
-              <a:t>totmrc_Mean</a:t>
-            </a:r>
-            <a:r>
               <a:rPr lang="en-US" dirty="0" smtClean="0"/>
-              <a:t> has beta </a:t>
+              <a:t>totmrc_Mean has beta </a:t>
             </a:r>
             <a:r>
               <a:rPr lang="en-US" dirty="0"/>
-              <a:t>coefficient value of -0.005294251 meaning a unit increase in this variable is causing decrease in churn by 0.005294251/unit</a:t>
+              <a:t>coefficient value of </a:t>
+            </a:r>
+            <a:r>
+              <a:rPr lang="en-US" dirty="0" smtClean="0"/>
+              <a:t>0.005294251 </a:t>
+            </a:r>
+            <a:r>
+              <a:rPr lang="en-US" dirty="0"/>
+              <a:t>meaning a unit increase in this variable is causing decrease in churn by 0.005294251/unit</a:t>
             </a:r>
           </a:p>
           <a:p>
@@ -7358,12 +7313,8 @@
               <a:buChar char="ü"/>
             </a:pPr>
             <a:r>
-              <a:rPr lang="en-US" dirty="0" err="1" smtClean="0"/>
-              <a:t>rev_Range</a:t>
-            </a:r>
-            <a:r>
               <a:rPr lang="en-US" dirty="0" smtClean="0"/>
-              <a:t> </a:t>
+              <a:t>rev_Range </a:t>
             </a:r>
             <a:r>
               <a:rPr lang="en-US" dirty="0"/>
@@ -7376,12 +7327,8 @@
               <a:buChar char="ü"/>
             </a:pPr>
             <a:r>
-              <a:rPr lang="en-US" dirty="0" err="1" smtClean="0"/>
-              <a:t>ovrrev_Mean</a:t>
-            </a:r>
-            <a:r>
               <a:rPr lang="en-US" dirty="0" smtClean="0"/>
-              <a:t> </a:t>
+              <a:t>ovrrev_Mean </a:t>
             </a:r>
             <a:r>
               <a:rPr lang="en-US" dirty="0"/>
@@ -7454,7 +7401,7 @@
                 <a14:useLocalDpi xmlns:a14="http://schemas.microsoft.com/office/drawing/2010/main" val="0"/>
               </a:ext>
               <a:ext uri="{96DAC541-7B7A-43D3-8B79-37D633B846F1}">
-                <asvg:svgBlip xmlns="" xmlns:asvg="http://schemas.microsoft.com/office/drawing/2016/SVG/main" r:embed="rId4"/>
+                <asvg:svgBlip xmlns:asvg="http://schemas.microsoft.com/office/drawing/2016/SVG/main" xmlns="" r:embed="rId4"/>
               </a:ext>
             </a:extLst>
           </a:blip>
@@ -7490,7 +7437,7 @@
           <a:blip r:embed="rId5">
             <a:extLst>
               <a:ext uri="{96DAC541-7B7A-43D3-8B79-37D633B846F1}">
-                <asvg:svgBlip xmlns="" xmlns:asvg="http://schemas.microsoft.com/office/drawing/2016/SVG/main" r:embed="rId6"/>
+                <asvg:svgBlip xmlns:asvg="http://schemas.microsoft.com/office/drawing/2016/SVG/main" xmlns="" r:embed="rId6"/>
               </a:ext>
             </a:extLst>
           </a:blip>
@@ -7597,7 +7544,7 @@
                 <a16:creationId xmlns:a16="http://schemas.microsoft.com/office/drawing/2014/main" id="{AD0034B7-EAC9-429D-9600-C58561D805DA}"/>
               </a:ext>
               <a:ext uri="{C183D7F6-B498-43B3-948B-1728B52AA6E4}">
-                <adec:decorative xmlns="" xmlns:adec="http://schemas.microsoft.com/office/drawing/2017/decorative" val="1"/>
+                <adec:decorative xmlns:adec="http://schemas.microsoft.com/office/drawing/2017/decorative" xmlns="" val="1"/>
               </a:ext>
             </a:extLst>
           </p:cNvPr>
@@ -7667,7 +7614,7 @@
                 <a16:creationId xmlns:a16="http://schemas.microsoft.com/office/drawing/2014/main" id="{D7F6F6C7-60D9-41AC-8781-68FDD4F3299E}"/>
               </a:ext>
               <a:ext uri="{C183D7F6-B498-43B3-948B-1728B52AA6E4}">
-                <adec:decorative xmlns="" xmlns:adec="http://schemas.microsoft.com/office/drawing/2017/decorative" val="1"/>
+                <adec:decorative xmlns:adec="http://schemas.microsoft.com/office/drawing/2017/decorative" xmlns="" val="1"/>
               </a:ext>
             </a:extLst>
           </p:cNvPr>
@@ -7743,7 +7690,7 @@
                 <a14:useLocalDpi xmlns:a14="http://schemas.microsoft.com/office/drawing/2010/main" val="0"/>
               </a:ext>
               <a:ext uri="{96DAC541-7B7A-43D3-8B79-37D633B846F1}">
-                <asvg:svgBlip xmlns="" xmlns:asvg="http://schemas.microsoft.com/office/drawing/2016/SVG/main" r:embed="rId4"/>
+                <asvg:svgBlip xmlns:asvg="http://schemas.microsoft.com/office/drawing/2016/SVG/main" xmlns="" r:embed="rId4"/>
               </a:ext>
             </a:extLst>
           </a:blip>
@@ -7779,7 +7726,7 @@
           <a:blip r:embed="rId5">
             <a:extLst>
               <a:ext uri="{96DAC541-7B7A-43D3-8B79-37D633B846F1}">
-                <asvg:svgBlip xmlns="" xmlns:asvg="http://schemas.microsoft.com/office/drawing/2016/SVG/main" r:embed="rId6"/>
+                <asvg:svgBlip xmlns:asvg="http://schemas.microsoft.com/office/drawing/2016/SVG/main" xmlns="" r:embed="rId6"/>
               </a:ext>
             </a:extLst>
           </a:blip>
@@ -7805,7 +7752,7 @@
                 <a16:creationId xmlns:a16="http://schemas.microsoft.com/office/drawing/2014/main" id="{1C9E9A52-DC4D-4073-B101-9B4108DAAD42}"/>
               </a:ext>
               <a:ext uri="{C183D7F6-B498-43B3-948B-1728B52AA6E4}">
-                <adec:decorative xmlns="" xmlns:adec="http://schemas.microsoft.com/office/drawing/2017/decorative" val="1"/>
+                <adec:decorative xmlns:adec="http://schemas.microsoft.com/office/drawing/2017/decorative" xmlns="" val="1"/>
               </a:ext>
             </a:extLst>
           </p:cNvPr>
@@ -8364,7 +8311,7 @@
                         </a:spcAft>
                       </a:pPr>
                       <a:r>
-                        <a:rPr lang="en-US" sz="1100" dirty="0" err="1">
+                        <a:rPr lang="en-US" sz="1100" dirty="0">
                           <a:effectLst/>
                         </a:rPr>
                         <a:t>iwylis_vce_Mean</a:t>
@@ -8865,7 +8812,7 @@
                 <a16:creationId xmlns:a16="http://schemas.microsoft.com/office/drawing/2014/main" id="{AD0034B7-EAC9-429D-9600-C58561D805DA}"/>
               </a:ext>
               <a:ext uri="{C183D7F6-B498-43B3-948B-1728B52AA6E4}">
-                <adec:decorative xmlns="" xmlns:adec="http://schemas.microsoft.com/office/drawing/2017/decorative" val="1"/>
+                <adec:decorative xmlns:adec="http://schemas.microsoft.com/office/drawing/2017/decorative" xmlns="" val="1"/>
               </a:ext>
             </a:extLst>
           </p:cNvPr>
@@ -8940,7 +8887,7 @@
                 <a16:creationId xmlns:a16="http://schemas.microsoft.com/office/drawing/2014/main" id="{D7F6F6C7-60D9-41AC-8781-68FDD4F3299E}"/>
               </a:ext>
               <a:ext uri="{C183D7F6-B498-43B3-948B-1728B52AA6E4}">
-                <adec:decorative xmlns="" xmlns:adec="http://schemas.microsoft.com/office/drawing/2017/decorative" val="1"/>
+                <adec:decorative xmlns:adec="http://schemas.microsoft.com/office/drawing/2017/decorative" xmlns="" val="1"/>
               </a:ext>
             </a:extLst>
           </p:cNvPr>
@@ -9012,7 +8959,7 @@
                 <a14:useLocalDpi xmlns:a14="http://schemas.microsoft.com/office/drawing/2010/main" val="0"/>
               </a:ext>
               <a:ext uri="{96DAC541-7B7A-43D3-8B79-37D633B846F1}">
-                <asvg:svgBlip xmlns="" xmlns:asvg="http://schemas.microsoft.com/office/drawing/2016/SVG/main" r:embed="rId4"/>
+                <asvg:svgBlip xmlns:asvg="http://schemas.microsoft.com/office/drawing/2016/SVG/main" xmlns="" r:embed="rId4"/>
               </a:ext>
             </a:extLst>
           </a:blip>
@@ -9048,7 +8995,7 @@
           <a:blip r:embed="rId5">
             <a:extLst>
               <a:ext uri="{96DAC541-7B7A-43D3-8B79-37D633B846F1}">
-                <asvg:svgBlip xmlns="" xmlns:asvg="http://schemas.microsoft.com/office/drawing/2016/SVG/main" r:embed="rId6"/>
+                <asvg:svgBlip xmlns:asvg="http://schemas.microsoft.com/office/drawing/2016/SVG/main" xmlns="" r:embed="rId6"/>
               </a:ext>
             </a:extLst>
           </a:blip>
@@ -9074,7 +9021,7 @@
                 <a16:creationId xmlns:a16="http://schemas.microsoft.com/office/drawing/2014/main" id="{1C9E9A52-DC4D-4073-B101-9B4108DAAD42}"/>
               </a:ext>
               <a:ext uri="{C183D7F6-B498-43B3-948B-1728B52AA6E4}">
-                <adec:decorative xmlns="" xmlns:adec="http://schemas.microsoft.com/office/drawing/2017/decorative" val="1"/>
+                <adec:decorative xmlns:adec="http://schemas.microsoft.com/office/drawing/2017/decorative" xmlns="" val="1"/>
               </a:ext>
             </a:extLst>
           </p:cNvPr>
@@ -9909,7 +9856,7 @@
                 <a16:creationId xmlns:a16="http://schemas.microsoft.com/office/drawing/2014/main" id="{AD0034B7-EAC9-429D-9600-C58561D805DA}"/>
               </a:ext>
               <a:ext uri="{C183D7F6-B498-43B3-948B-1728B52AA6E4}">
-                <adec:decorative xmlns="" xmlns:adec="http://schemas.microsoft.com/office/drawing/2017/decorative" val="1"/>
+                <adec:decorative xmlns:adec="http://schemas.microsoft.com/office/drawing/2017/decorative" xmlns="" val="1"/>
               </a:ext>
             </a:extLst>
           </p:cNvPr>
@@ -9966,7 +9913,7 @@
                 <a16:creationId xmlns:a16="http://schemas.microsoft.com/office/drawing/2014/main" id="{D7F6F6C7-60D9-41AC-8781-68FDD4F3299E}"/>
               </a:ext>
               <a:ext uri="{C183D7F6-B498-43B3-948B-1728B52AA6E4}">
-                <adec:decorative xmlns="" xmlns:adec="http://schemas.microsoft.com/office/drawing/2017/decorative" val="1"/>
+                <adec:decorative xmlns:adec="http://schemas.microsoft.com/office/drawing/2017/decorative" xmlns="" val="1"/>
               </a:ext>
             </a:extLst>
           </p:cNvPr>
@@ -10024,12 +9971,8 @@
               <a:t>Variable </a:t>
             </a:r>
             <a:r>
-              <a:rPr lang="en-US" dirty="0" err="1"/>
-              <a:t>ovrrev_Mean</a:t>
-            </a:r>
-            <a:r>
               <a:rPr lang="en-US" dirty="0"/>
-              <a:t> has beta coefficient of 0.007265908.</a:t>
+              <a:t>ovrrev_Mean has beta coefficient of 0.007265908.</a:t>
             </a:r>
           </a:p>
           <a:p>
@@ -10037,20 +9980,12 @@
           </a:p>
           <a:p>
             <a:r>
-              <a:rPr lang="en-US" dirty="0" err="1" smtClean="0"/>
-              <a:t>var</a:t>
-            </a:r>
-            <a:r>
               <a:rPr lang="en-US" dirty="0" smtClean="0"/>
-              <a:t> </a:t>
-            </a:r>
-            <a:r>
-              <a:rPr lang="en-US" dirty="0" err="1"/>
-              <a:t>ovrrev_Mean</a:t>
+              <a:t>ovrrev_Mean </a:t>
             </a:r>
             <a:r>
               <a:rPr lang="en-US" dirty="0"/>
-              <a:t> = DATOVR_MEAN + VCEOVR_MEAN i.e. 'Mean overage revenue' </a:t>
+              <a:t>= DATOVR_MEAN + VCEOVR_MEAN i.e. 'Mean overage revenue' </a:t>
             </a:r>
           </a:p>
           <a:p>
@@ -10092,7 +10027,7 @@
                 <a14:useLocalDpi xmlns:a14="http://schemas.microsoft.com/office/drawing/2010/main" val="0"/>
               </a:ext>
               <a:ext uri="{96DAC541-7B7A-43D3-8B79-37D633B846F1}">
-                <asvg:svgBlip xmlns="" xmlns:asvg="http://schemas.microsoft.com/office/drawing/2016/SVG/main" r:embed="rId4"/>
+                <asvg:svgBlip xmlns:asvg="http://schemas.microsoft.com/office/drawing/2016/SVG/main" xmlns="" r:embed="rId4"/>
               </a:ext>
             </a:extLst>
           </a:blip>
@@ -10128,7 +10063,7 @@
           <a:blip r:embed="rId5">
             <a:extLst>
               <a:ext uri="{96DAC541-7B7A-43D3-8B79-37D633B846F1}">
-                <asvg:svgBlip xmlns="" xmlns:asvg="http://schemas.microsoft.com/office/drawing/2016/SVG/main" r:embed="rId6"/>
+                <asvg:svgBlip xmlns:asvg="http://schemas.microsoft.com/office/drawing/2016/SVG/main" xmlns="" r:embed="rId6"/>
               </a:ext>
             </a:extLst>
           </a:blip>
@@ -10154,7 +10089,7 @@
                 <a16:creationId xmlns:a16="http://schemas.microsoft.com/office/drawing/2014/main" id="{1C9E9A52-DC4D-4073-B101-9B4108DAAD42}"/>
               </a:ext>
               <a:ext uri="{C183D7F6-B498-43B3-948B-1728B52AA6E4}">
-                <adec:decorative xmlns="" xmlns:adec="http://schemas.microsoft.com/office/drawing/2017/decorative" val="1"/>
+                <adec:decorative xmlns:adec="http://schemas.microsoft.com/office/drawing/2017/decorative" xmlns="" val="1"/>
               </a:ext>
             </a:extLst>
           </p:cNvPr>
@@ -10348,7 +10283,7 @@
                 <a16:creationId xmlns:a16="http://schemas.microsoft.com/office/drawing/2014/main" id="{AD0034B7-EAC9-429D-9600-C58561D805DA}"/>
               </a:ext>
               <a:ext uri="{C183D7F6-B498-43B3-948B-1728B52AA6E4}">
-                <adec:decorative xmlns="" xmlns:adec="http://schemas.microsoft.com/office/drawing/2017/decorative" val="1"/>
+                <adec:decorative xmlns:adec="http://schemas.microsoft.com/office/drawing/2017/decorative" xmlns="" val="1"/>
               </a:ext>
             </a:extLst>
           </p:cNvPr>
@@ -10405,7 +10340,7 @@
                 <a16:creationId xmlns:a16="http://schemas.microsoft.com/office/drawing/2014/main" id="{D7F6F6C7-60D9-41AC-8781-68FDD4F3299E}"/>
               </a:ext>
               <a:ext uri="{C183D7F6-B498-43B3-948B-1728B52AA6E4}">
-                <adec:decorative xmlns="" xmlns:adec="http://schemas.microsoft.com/office/drawing/2017/decorative" val="1"/>
+                <adec:decorative xmlns:adec="http://schemas.microsoft.com/office/drawing/2017/decorative" xmlns="" val="1"/>
               </a:ext>
             </a:extLst>
           </p:cNvPr>
@@ -10545,7 +10480,7 @@
                 <a14:useLocalDpi xmlns:a14="http://schemas.microsoft.com/office/drawing/2010/main" val="0"/>
               </a:ext>
               <a:ext uri="{96DAC541-7B7A-43D3-8B79-37D633B846F1}">
-                <asvg:svgBlip xmlns="" xmlns:asvg="http://schemas.microsoft.com/office/drawing/2016/SVG/main" r:embed="rId4"/>
+                <asvg:svgBlip xmlns:asvg="http://schemas.microsoft.com/office/drawing/2016/SVG/main" xmlns="" r:embed="rId4"/>
               </a:ext>
             </a:extLst>
           </a:blip>
@@ -10581,7 +10516,7 @@
           <a:blip r:embed="rId5">
             <a:extLst>
               <a:ext uri="{96DAC541-7B7A-43D3-8B79-37D633B846F1}">
-                <asvg:svgBlip xmlns="" xmlns:asvg="http://schemas.microsoft.com/office/drawing/2016/SVG/main" r:embed="rId6"/>
+                <asvg:svgBlip xmlns:asvg="http://schemas.microsoft.com/office/drawing/2016/SVG/main" xmlns="" r:embed="rId6"/>
               </a:ext>
             </a:extLst>
           </a:blip>
@@ -10607,7 +10542,7 @@
                 <a16:creationId xmlns:a16="http://schemas.microsoft.com/office/drawing/2014/main" id="{1C9E9A52-DC4D-4073-B101-9B4108DAAD42}"/>
               </a:ext>
               <a:ext uri="{C183D7F6-B498-43B3-948B-1728B52AA6E4}">
-                <adec:decorative xmlns="" xmlns:adec="http://schemas.microsoft.com/office/drawing/2017/decorative" val="1"/>
+                <adec:decorative xmlns:adec="http://schemas.microsoft.com/office/drawing/2017/decorative" xmlns="" val="1"/>
               </a:ext>
             </a:extLst>
           </p:cNvPr>
@@ -10755,7 +10690,7 @@
                 <a16:creationId xmlns:a16="http://schemas.microsoft.com/office/drawing/2014/main" id="{AD0034B7-EAC9-429D-9600-C58561D805DA}"/>
               </a:ext>
               <a:ext uri="{C183D7F6-B498-43B3-948B-1728B52AA6E4}">
-                <adec:decorative xmlns="" xmlns:adec="http://schemas.microsoft.com/office/drawing/2017/decorative" val="1"/>
+                <adec:decorative xmlns:adec="http://schemas.microsoft.com/office/drawing/2017/decorative" xmlns="" val="1"/>
               </a:ext>
             </a:extLst>
           </p:cNvPr>
@@ -10812,7 +10747,7 @@
                 <a16:creationId xmlns:a16="http://schemas.microsoft.com/office/drawing/2014/main" id="{D7F6F6C7-60D9-41AC-8781-68FDD4F3299E}"/>
               </a:ext>
               <a:ext uri="{C183D7F6-B498-43B3-948B-1728B52AA6E4}">
-                <adec:decorative xmlns="" xmlns:adec="http://schemas.microsoft.com/office/drawing/2017/decorative" val="1"/>
+                <adec:decorative xmlns:adec="http://schemas.microsoft.com/office/drawing/2017/decorative" xmlns="" val="1"/>
               </a:ext>
             </a:extLst>
           </p:cNvPr>
@@ -10911,7 +10846,7 @@
                 <a14:useLocalDpi xmlns:a14="http://schemas.microsoft.com/office/drawing/2010/main" val="0"/>
               </a:ext>
               <a:ext uri="{96DAC541-7B7A-43D3-8B79-37D633B846F1}">
-                <asvg:svgBlip xmlns="" xmlns:asvg="http://schemas.microsoft.com/office/drawing/2016/SVG/main" r:embed="rId4"/>
+                <asvg:svgBlip xmlns:asvg="http://schemas.microsoft.com/office/drawing/2016/SVG/main" xmlns="" r:embed="rId4"/>
               </a:ext>
             </a:extLst>
           </a:blip>
@@ -10947,7 +10882,7 @@
           <a:blip r:embed="rId5">
             <a:extLst>
               <a:ext uri="{96DAC541-7B7A-43D3-8B79-37D633B846F1}">
-                <asvg:svgBlip xmlns="" xmlns:asvg="http://schemas.microsoft.com/office/drawing/2016/SVG/main" r:embed="rId6"/>
+                <asvg:svgBlip xmlns:asvg="http://schemas.microsoft.com/office/drawing/2016/SVG/main" xmlns="" r:embed="rId6"/>
               </a:ext>
             </a:extLst>
           </a:blip>
@@ -10973,7 +10908,7 @@
                 <a16:creationId xmlns:a16="http://schemas.microsoft.com/office/drawing/2014/main" id="{1C9E9A52-DC4D-4073-B101-9B4108DAAD42}"/>
               </a:ext>
               <a:ext uri="{C183D7F6-B498-43B3-948B-1728B52AA6E4}">
-                <adec:decorative xmlns="" xmlns:adec="http://schemas.microsoft.com/office/drawing/2017/decorative" val="1"/>
+                <adec:decorative xmlns:adec="http://schemas.microsoft.com/office/drawing/2017/decorative" xmlns="" val="1"/>
               </a:ext>
             </a:extLst>
           </p:cNvPr>
